--- a/doc/09.20.2013 Poster/naacl2013-srw-Wencan,Diane&Joel_v3.pptx
+++ b/doc/09.20.2013 Poster/naacl2013-srw-Wencan,Diane&Joel_v3.pptx
@@ -219,7 +219,7 @@
             <a:fld id="{5B5349A0-9DCA-4449-8462-5D9CB563EABC}" type="datetimeFigureOut">
               <a:rPr lang="zh-CN" altLang="en-US" smtClean="0"/>
               <a:pPr/>
-              <a:t>2013/6/6</a:t>
+              <a:t>2013-9-20</a:t>
             </a:fld>
             <a:endParaRPr lang="zh-CN" altLang="en-US"/>
           </a:p>
@@ -2435,7 +2435,7 @@
           <a:p>
             <a:fld id="{D846AF20-B9EC-4A45-8FF1-76CECADEFB64}" type="datetime1">
               <a:rPr lang="en-US" altLang="zh-CN" smtClean="0"/>
-              <a:t>6/6/2013</a:t>
+              <a:t>9/20/2013</a:t>
             </a:fld>
             <a:endParaRPr lang="zh-CN" altLang="en-US"/>
           </a:p>
@@ -2718,7 +2718,7 @@
           <a:p>
             <a:fld id="{F7B163B6-AF74-4234-ABAC-C360ED2A8456}" type="datetime1">
               <a:rPr lang="en-US" altLang="zh-CN" smtClean="0"/>
-              <a:t>6/6/2013</a:t>
+              <a:t>9/20/2013</a:t>
             </a:fld>
             <a:endParaRPr lang="zh-CN" altLang="en-US"/>
           </a:p>
@@ -2906,7 +2906,7 @@
           <a:p>
             <a:fld id="{6558C3B2-6DBE-4DA6-B533-02A08D98A0A5}" type="datetime1">
               <a:rPr lang="en-US" altLang="zh-CN" smtClean="0"/>
-              <a:t>6/6/2013</a:t>
+              <a:t>9/20/2013</a:t>
             </a:fld>
             <a:endParaRPr lang="zh-CN" altLang="en-US"/>
           </a:p>
@@ -3152,7 +3152,7 @@
           <a:p>
             <a:fld id="{16AFAD0A-34F9-4C29-9F52-5A12662E7BF1}" type="datetime1">
               <a:rPr lang="en-US" altLang="zh-CN" smtClean="0"/>
-              <a:t>6/6/2013</a:t>
+              <a:t>9/20/2013</a:t>
             </a:fld>
             <a:endParaRPr lang="zh-CN" altLang="en-US"/>
           </a:p>
@@ -3324,7 +3324,7 @@
           <a:p>
             <a:fld id="{16AFAD0A-34F9-4C29-9F52-5A12662E7BF1}" type="datetime1">
               <a:rPr lang="en-US" altLang="zh-CN" smtClean="0"/>
-              <a:t>6/6/2013</a:t>
+              <a:t>9/20/2013</a:t>
             </a:fld>
             <a:endParaRPr lang="zh-CN" altLang="en-US"/>
           </a:p>
@@ -3572,7 +3572,7 @@
           <a:p>
             <a:fld id="{16AFAD0A-34F9-4C29-9F52-5A12662E7BF1}" type="datetime1">
               <a:rPr lang="en-US" altLang="zh-CN" smtClean="0"/>
-              <a:t>6/6/2013</a:t>
+              <a:t>9/20/2013</a:t>
             </a:fld>
             <a:endParaRPr lang="zh-CN" altLang="en-US"/>
           </a:p>
@@ -3862,7 +3862,7 @@
           <a:p>
             <a:fld id="{16AFAD0A-34F9-4C29-9F52-5A12662E7BF1}" type="datetime1">
               <a:rPr lang="en-US" altLang="zh-CN" smtClean="0"/>
-              <a:t>6/6/2013</a:t>
+              <a:t>9/20/2013</a:t>
             </a:fld>
             <a:endParaRPr lang="zh-CN" altLang="en-US"/>
           </a:p>
@@ -4286,7 +4286,7 @@
           <a:p>
             <a:fld id="{16AFAD0A-34F9-4C29-9F52-5A12662E7BF1}" type="datetime1">
               <a:rPr lang="en-US" altLang="zh-CN" smtClean="0"/>
-              <a:t>6/6/2013</a:t>
+              <a:t>9/20/2013</a:t>
             </a:fld>
             <a:endParaRPr lang="zh-CN" altLang="en-US"/>
           </a:p>
@@ -4406,7 +4406,7 @@
           <a:p>
             <a:fld id="{16AFAD0A-34F9-4C29-9F52-5A12662E7BF1}" type="datetime1">
               <a:rPr lang="en-US" altLang="zh-CN" smtClean="0"/>
-              <a:t>6/6/2013</a:t>
+              <a:t>9/20/2013</a:t>
             </a:fld>
             <a:endParaRPr lang="zh-CN" altLang="en-US"/>
           </a:p>
@@ -4503,7 +4503,7 @@
           <a:p>
             <a:fld id="{16AFAD0A-34F9-4C29-9F52-5A12662E7BF1}" type="datetime1">
               <a:rPr lang="en-US" altLang="zh-CN" smtClean="0"/>
-              <a:t>6/6/2013</a:t>
+              <a:t>9/20/2013</a:t>
             </a:fld>
             <a:endParaRPr lang="zh-CN" altLang="en-US"/>
           </a:p>
@@ -4782,7 +4782,7 @@
           <a:p>
             <a:fld id="{16AFAD0A-34F9-4C29-9F52-5A12662E7BF1}" type="datetime1">
               <a:rPr lang="en-US" altLang="zh-CN" smtClean="0"/>
-              <a:t>6/6/2013</a:t>
+              <a:t>9/20/2013</a:t>
             </a:fld>
             <a:endParaRPr lang="zh-CN" altLang="en-US"/>
           </a:p>
@@ -4958,7 +4958,7 @@
           <a:p>
             <a:fld id="{6959E496-CF3D-48F2-BFA0-C6349C991B72}" type="datetime1">
               <a:rPr lang="en-US" altLang="zh-CN" smtClean="0"/>
-              <a:t>6/6/2013</a:t>
+              <a:t>9/20/2013</a:t>
             </a:fld>
             <a:endParaRPr lang="zh-CN" altLang="en-US"/>
           </a:p>
@@ -5215,7 +5215,7 @@
           <a:p>
             <a:fld id="{16AFAD0A-34F9-4C29-9F52-5A12662E7BF1}" type="datetime1">
               <a:rPr lang="en-US" altLang="zh-CN" smtClean="0"/>
-              <a:t>6/6/2013</a:t>
+              <a:t>9/20/2013</a:t>
             </a:fld>
             <a:endParaRPr lang="zh-CN" altLang="en-US"/>
           </a:p>
@@ -5387,7 +5387,7 @@
           <a:p>
             <a:fld id="{16AFAD0A-34F9-4C29-9F52-5A12662E7BF1}" type="datetime1">
               <a:rPr lang="en-US" altLang="zh-CN" smtClean="0"/>
-              <a:t>6/6/2013</a:t>
+              <a:t>9/20/2013</a:t>
             </a:fld>
             <a:endParaRPr lang="zh-CN" altLang="en-US"/>
           </a:p>
@@ -5569,7 +5569,7 @@
           <a:p>
             <a:fld id="{16AFAD0A-34F9-4C29-9F52-5A12662E7BF1}" type="datetime1">
               <a:rPr lang="en-US" altLang="zh-CN" smtClean="0"/>
-              <a:t>6/6/2013</a:t>
+              <a:t>9/20/2013</a:t>
             </a:fld>
             <a:endParaRPr lang="zh-CN" altLang="en-US"/>
           </a:p>
@@ -5767,7 +5767,7 @@
           <a:p>
             <a:fld id="{647673D7-EF01-43FE-9D1F-D76FDC445BF2}" type="datetime1">
               <a:rPr lang="en-US" altLang="zh-CN" smtClean="0"/>
-              <a:t>6/6/2013</a:t>
+              <a:t>9/20/2013</a:t>
             </a:fld>
             <a:endParaRPr lang="zh-CN" altLang="en-US"/>
           </a:p>
@@ -6063,7 +6063,7 @@
           <a:p>
             <a:fld id="{FCE8BC7B-B4D5-4CBE-818A-24D402084700}" type="datetime1">
               <a:rPr lang="en-US" altLang="zh-CN" smtClean="0"/>
-              <a:t>6/6/2013</a:t>
+              <a:t>9/20/2013</a:t>
             </a:fld>
             <a:endParaRPr lang="zh-CN" altLang="en-US"/>
           </a:p>
@@ -6498,7 +6498,7 @@
           <a:p>
             <a:fld id="{3167F8EB-8259-4FC1-9500-8810A0DE0DCC}" type="datetime1">
               <a:rPr lang="en-US" altLang="zh-CN" smtClean="0"/>
-              <a:t>6/6/2013</a:t>
+              <a:t>9/20/2013</a:t>
             </a:fld>
             <a:endParaRPr lang="zh-CN" altLang="en-US"/>
           </a:p>
@@ -6624,7 +6624,7 @@
           <a:p>
             <a:fld id="{DF43F75C-A58C-475C-9F4A-154231F880D5}" type="datetime1">
               <a:rPr lang="en-US" altLang="zh-CN" smtClean="0"/>
-              <a:t>6/6/2013</a:t>
+              <a:t>9/20/2013</a:t>
             </a:fld>
             <a:endParaRPr lang="zh-CN" altLang="en-US"/>
           </a:p>
@@ -6727,7 +6727,7 @@
           <a:p>
             <a:fld id="{CAEBC099-DF8E-4AFC-A8A1-586DC33AAB2D}" type="datetime1">
               <a:rPr lang="en-US" altLang="zh-CN" smtClean="0"/>
-              <a:t>6/6/2013</a:t>
+              <a:t>9/20/2013</a:t>
             </a:fld>
             <a:endParaRPr lang="zh-CN" altLang="en-US"/>
           </a:p>
@@ -7012,7 +7012,7 @@
           <a:p>
             <a:fld id="{0FECED00-6F81-4F38-A553-4F839DD302A1}" type="datetime1">
               <a:rPr lang="en-US" altLang="zh-CN" smtClean="0"/>
-              <a:t>6/6/2013</a:t>
+              <a:t>9/20/2013</a:t>
             </a:fld>
             <a:endParaRPr lang="zh-CN" altLang="en-US"/>
           </a:p>
@@ -7277,7 +7277,7 @@
           <a:p>
             <a:fld id="{D70A0996-5443-45F5-BB0E-8EF910594B35}" type="datetime1">
               <a:rPr lang="en-US" altLang="zh-CN" smtClean="0"/>
-              <a:t>6/6/2013</a:t>
+              <a:t>9/20/2013</a:t>
             </a:fld>
             <a:endParaRPr lang="zh-CN" altLang="en-US"/>
           </a:p>
@@ -7610,7 +7610,7 @@
           <a:p>
             <a:fld id="{16AFAD0A-34F9-4C29-9F52-5A12662E7BF1}" type="datetime1">
               <a:rPr lang="en-US" altLang="zh-CN" smtClean="0"/>
-              <a:t>6/6/2013</a:t>
+              <a:t>9/20/2013</a:t>
             </a:fld>
             <a:endParaRPr lang="zh-CN" altLang="en-US"/>
           </a:p>
@@ -8304,7 +8304,7 @@
           <a:p>
             <a:fld id="{16AFAD0A-34F9-4C29-9F52-5A12662E7BF1}" type="datetime1">
               <a:rPr lang="en-US" altLang="zh-CN" smtClean="0"/>
-              <a:t>6/6/2013</a:t>
+              <a:t>9/20/2013</a:t>
             </a:fld>
             <a:endParaRPr lang="zh-CN" altLang="en-US"/>
           </a:p>
@@ -9027,7 +9027,7 @@
           <a:p>
             <a:fld id="{D846AF20-B9EC-4A45-8FF1-76CECADEFB64}" type="datetime1">
               <a:rPr lang="en-US" altLang="zh-CN" smtClean="0"/>
-              <a:t>6/6/2013</a:t>
+              <a:t>9/20/2013</a:t>
             </a:fld>
             <a:endParaRPr lang="zh-CN" altLang="en-US"/>
           </a:p>
@@ -9345,7 +9345,7 @@
           <a:p>
             <a:fld id="{6959E496-CF3D-48F2-BFA0-C6349C991B72}" type="datetime1">
               <a:rPr lang="en-US" altLang="zh-CN" smtClean="0"/>
-              <a:t>6/6/2013</a:t>
+              <a:t>9/20/2013</a:t>
             </a:fld>
             <a:endParaRPr lang="zh-CN" altLang="en-US"/>
           </a:p>
@@ -10753,7 +10753,7 @@
           <a:p>
             <a:fld id="{6959E496-CF3D-48F2-BFA0-C6349C991B72}" type="datetime1">
               <a:rPr lang="en-US" altLang="zh-CN" smtClean="0"/>
-              <a:t>6/6/2013</a:t>
+              <a:t>9/20/2013</a:t>
             </a:fld>
             <a:endParaRPr lang="zh-CN" altLang="en-US"/>
           </a:p>
@@ -10948,7 +10948,7 @@
           <a:p>
             <a:fld id="{6959E496-CF3D-48F2-BFA0-C6349C991B72}" type="datetime1">
               <a:rPr lang="en-US" altLang="zh-CN" smtClean="0"/>
-              <a:t>6/6/2013</a:t>
+              <a:t>9/20/2013</a:t>
             </a:fld>
             <a:endParaRPr lang="zh-CN" altLang="en-US"/>
           </a:p>
@@ -11184,7 +11184,7 @@
           <a:p>
             <a:fld id="{6959E496-CF3D-48F2-BFA0-C6349C991B72}" type="datetime1">
               <a:rPr lang="en-US" altLang="zh-CN" smtClean="0"/>
-              <a:t>6/6/2013</a:t>
+              <a:t>9/20/2013</a:t>
             </a:fld>
             <a:endParaRPr lang="zh-CN" altLang="en-US"/>
           </a:p>
@@ -11420,7 +11420,7 @@
           <a:p>
             <a:fld id="{6959E496-CF3D-48F2-BFA0-C6349C991B72}" type="datetime1">
               <a:rPr lang="en-US" altLang="zh-CN" smtClean="0"/>
-              <a:t>6/6/2013</a:t>
+              <a:t>9/20/2013</a:t>
             </a:fld>
             <a:endParaRPr lang="zh-CN" altLang="en-US"/>
           </a:p>
@@ -11685,7 +11685,7 @@
           <a:p>
             <a:fld id="{6959E496-CF3D-48F2-BFA0-C6349C991B72}" type="datetime1">
               <a:rPr lang="en-US" altLang="zh-CN" smtClean="0"/>
-              <a:t>6/6/2013</a:t>
+              <a:t>9/20/2013</a:t>
             </a:fld>
             <a:endParaRPr lang="zh-CN" altLang="en-US"/>
           </a:p>
@@ -11817,7 +11817,7 @@
           <a:p>
             <a:fld id="{6959E496-CF3D-48F2-BFA0-C6349C991B72}" type="datetime1">
               <a:rPr lang="en-US" altLang="zh-CN" smtClean="0"/>
-              <a:t>6/6/2013</a:t>
+              <a:t>9/20/2013</a:t>
             </a:fld>
             <a:endParaRPr lang="zh-CN" altLang="en-US"/>
           </a:p>
@@ -11939,7 +11939,7 @@
           <a:p>
             <a:fld id="{6959E496-CF3D-48F2-BFA0-C6349C991B72}" type="datetime1">
               <a:rPr lang="en-US" altLang="zh-CN" smtClean="0"/>
-              <a:t>6/6/2013</a:t>
+              <a:t>9/20/2013</a:t>
             </a:fld>
             <a:endParaRPr lang="zh-CN" altLang="en-US"/>
           </a:p>
@@ -12558,7 +12558,7 @@
           <a:p>
             <a:fld id="{6959E496-CF3D-48F2-BFA0-C6349C991B72}" type="datetime1">
               <a:rPr lang="en-US" altLang="zh-CN" smtClean="0"/>
-              <a:t>6/6/2013</a:t>
+              <a:t>9/20/2013</a:t>
             </a:fld>
             <a:endParaRPr lang="zh-CN" altLang="en-US"/>
           </a:p>
@@ -12788,7 +12788,7 @@
           <a:p>
             <a:fld id="{6959E496-CF3D-48F2-BFA0-C6349C991B72}" type="datetime1">
               <a:rPr lang="en-US" altLang="zh-CN" smtClean="0"/>
-              <a:t>6/6/2013</a:t>
+              <a:t>9/20/2013</a:t>
             </a:fld>
             <a:endParaRPr lang="zh-CN" altLang="en-US"/>
           </a:p>
@@ -12933,7 +12933,7 @@
           <a:p>
             <a:fld id="{6959E496-CF3D-48F2-BFA0-C6349C991B72}" type="datetime1">
               <a:rPr lang="en-US" altLang="zh-CN" smtClean="0"/>
-              <a:t>6/6/2013</a:t>
+              <a:t>9/20/2013</a:t>
             </a:fld>
             <a:endParaRPr lang="zh-CN" altLang="en-US"/>
           </a:p>
@@ -13164,7 +13164,7 @@
           <a:p>
             <a:fld id="{6959E496-CF3D-48F2-BFA0-C6349C991B72}" type="datetime1">
               <a:rPr lang="en-US" altLang="zh-CN" smtClean="0"/>
-              <a:t>6/6/2013</a:t>
+              <a:t>9/20/2013</a:t>
             </a:fld>
             <a:endParaRPr lang="zh-CN" altLang="en-US"/>
           </a:p>
@@ -14060,7 +14060,7 @@
           <a:p>
             <a:fld id="{6959E496-CF3D-48F2-BFA0-C6349C991B72}" type="datetime1">
               <a:rPr lang="en-US" altLang="zh-CN" smtClean="0"/>
-              <a:t>6/6/2013</a:t>
+              <a:t>9/20/2013</a:t>
             </a:fld>
             <a:endParaRPr lang="zh-CN" altLang="en-US"/>
           </a:p>
@@ -14781,7 +14781,7 @@
           <a:p>
             <a:fld id="{6959E496-CF3D-48F2-BFA0-C6349C991B72}" type="datetime1">
               <a:rPr lang="en-US" altLang="zh-CN" smtClean="0"/>
-              <a:t>6/6/2013</a:t>
+              <a:t>9/20/2013</a:t>
             </a:fld>
             <a:endParaRPr lang="zh-CN" altLang="en-US"/>
           </a:p>
@@ -14976,7 +14976,7 @@
           <a:p>
             <a:fld id="{6959E496-CF3D-48F2-BFA0-C6349C991B72}" type="datetime1">
               <a:rPr lang="en-US" altLang="zh-CN" smtClean="0"/>
-              <a:t>6/6/2013</a:t>
+              <a:t>9/20/2013</a:t>
             </a:fld>
             <a:endParaRPr lang="zh-CN" altLang="en-US"/>
           </a:p>
@@ -15244,7 +15244,7 @@
           <a:p>
             <a:fld id="{6959E496-CF3D-48F2-BFA0-C6349C991B72}" type="datetime1">
               <a:rPr lang="en-US" altLang="zh-CN" smtClean="0"/>
-              <a:t>6/6/2013</a:t>
+              <a:t>9/20/2013</a:t>
             </a:fld>
             <a:endParaRPr lang="zh-CN" altLang="en-US"/>
           </a:p>
@@ -15465,8 +15465,17 @@
             </a:r>
             <a:r>
               <a:rPr lang="en-US" i="1" dirty="0"/>
-              <a:t> et al., 2012), </a:t>
-            </a:r>
+              <a:t> et al., </a:t>
+            </a:r>
+            <a:r>
+              <a:rPr lang="en-US" i="1"/>
+              <a:t>2012</a:t>
+            </a:r>
+            <a:r>
+              <a:rPr lang="en-US" i="1" smtClean="0"/>
+              <a:t>)</a:t>
+            </a:r>
+            <a:endParaRPr lang="en-US" i="1" dirty="0"/>
           </a:p>
           <a:p>
             <a:pPr lvl="1"/>
@@ -15494,7 +15503,7 @@
           <a:p>
             <a:fld id="{6959E496-CF3D-48F2-BFA0-C6349C991B72}" type="datetime1">
               <a:rPr lang="en-US" altLang="zh-CN" smtClean="0"/>
-              <a:t>6/6/2013</a:t>
+              <a:t>9/20/2013</a:t>
             </a:fld>
             <a:endParaRPr lang="zh-CN" altLang="en-US"/>
           </a:p>
@@ -15739,7 +15748,7 @@
           <a:p>
             <a:fld id="{6959E496-CF3D-48F2-BFA0-C6349C991B72}" type="datetime1">
               <a:rPr lang="en-US" altLang="zh-CN" smtClean="0"/>
-              <a:t>6/6/2013</a:t>
+              <a:t>9/20/2013</a:t>
             </a:fld>
             <a:endParaRPr lang="zh-CN" altLang="en-US"/>
           </a:p>
@@ -15979,7 +15988,7 @@
           <a:p>
             <a:fld id="{6959E496-CF3D-48F2-BFA0-C6349C991B72}" type="datetime1">
               <a:rPr lang="en-US" altLang="zh-CN" smtClean="0"/>
-              <a:t>6/6/2013</a:t>
+              <a:t>9/20/2013</a:t>
             </a:fld>
             <a:endParaRPr lang="zh-CN" altLang="en-US"/>
           </a:p>
@@ -16069,8 +16078,8 @@
           </a:p>
         </p:txBody>
       </p:sp>
-      <mc:AlternateContent xmlns:mc="http://schemas.openxmlformats.org/markup-compatibility/2006">
-        <mc:Choice xmlns:a14="http://schemas.microsoft.com/office/drawing/2010/main" Requires="a14">
+      <mc:AlternateContent xmlns:mc="http://schemas.openxmlformats.org/markup-compatibility/2006" xmlns:a14="http://schemas.microsoft.com/office/drawing/2010/main">
+        <mc:Choice Requires="a14">
           <p:sp>
             <p:nvSpPr>
               <p:cNvPr id="3" name="Content Placeholder 2"/>
@@ -16202,28 +16211,12 @@
                   <a:buNone/>
                 </a:pPr>
                 <a:r>
-                  <a:rPr lang="en-US" sz="2000"/>
+                  <a:rPr lang="en-US" sz="2000" dirty="0"/>
                   <a:t> </a:t>
                 </a:r>
                 <a:r>
-                  <a:rPr lang="en-US" sz="2000" smtClean="0"/>
-                  <a:t>      </a:t>
-                </a:r>
-                <a:r>
-                  <a:rPr lang="en-US" sz="2000" smtClean="0"/>
-                  <a:t>100</a:t>
-                </a:r>
-                <a:r>
-                  <a:rPr lang="en-US" sz="2000" smtClean="0"/>
-                  <a:t>% </a:t>
-                </a:r>
-                <a:r>
-                  <a:rPr lang="en-US" sz="2000" smtClean="0"/>
-                  <a:t>recall, </a:t>
-                </a:r>
-                <a:r>
                   <a:rPr lang="en-US" sz="2000" dirty="0" smtClean="0"/>
-                  <a:t>but high positive predict → no cost savings</a:t>
+                  <a:t>      100% recall, but high positive predict → no cost savings</a:t>
                 </a:r>
                 <a:endParaRPr lang="en-US" sz="2200" dirty="0" smtClean="0"/>
               </a:p>
@@ -16348,7 +16341,7 @@
             </p:txBody>
           </p:sp>
         </mc:Choice>
-        <mc:Fallback>
+        <mc:Fallback xmlns="">
           <p:sp>
             <p:nvSpPr>
               <p:cNvPr id="3" name="Content Placeholder 2"/>
@@ -16403,7 +16396,7 @@
           <a:p>
             <a:fld id="{6959E496-CF3D-48F2-BFA0-C6349C991B72}" type="datetime1">
               <a:rPr lang="en-US" altLang="zh-CN" smtClean="0"/>
-              <a:t>6/6/2013</a:t>
+              <a:t>9/20/2013</a:t>
             </a:fld>
             <a:endParaRPr lang="zh-CN" altLang="en-US" dirty="0"/>
           </a:p>
@@ -17312,7 +17305,7 @@
           <a:p>
             <a:fld id="{6959E496-CF3D-48F2-BFA0-C6349C991B72}" type="datetime1">
               <a:rPr lang="en-US" altLang="zh-CN" smtClean="0"/>
-              <a:t>6/6/2013</a:t>
+              <a:t>9/20/2013</a:t>
             </a:fld>
             <a:endParaRPr lang="zh-CN" altLang="en-US" dirty="0"/>
           </a:p>
@@ -17901,7 +17894,7 @@
           <a:p>
             <a:fld id="{6959E496-CF3D-48F2-BFA0-C6349C991B72}" type="datetime1">
               <a:rPr lang="en-US" altLang="zh-CN" smtClean="0"/>
-              <a:t>6/6/2013</a:t>
+              <a:t>9/20/2013</a:t>
             </a:fld>
             <a:endParaRPr lang="zh-CN" altLang="en-US"/>
           </a:p>
